--- a/IAPTGraphic.pptx
+++ b/IAPTGraphic.pptx
@@ -1154,7 +1154,7 @@
         <p:spPr>
           <a:xfrm>
             <a:off x="388744" y="4245418"/>
-            <a:ext cx="8418144" cy="895798"/>
+            <a:ext cx="8287712" cy="895798"/>
           </a:xfrm>
           <a:prstGeom prst="roundRect">
             <a:avLst>
@@ -1210,7 +1210,7 @@
         <p:spPr>
           <a:xfrm>
             <a:off x="392136" y="3207796"/>
-            <a:ext cx="8418144" cy="895798"/>
+            <a:ext cx="8287712" cy="895798"/>
           </a:xfrm>
           <a:prstGeom prst="roundRect">
             <a:avLst>
@@ -1266,7 +1266,7 @@
         <p:spPr>
           <a:xfrm>
             <a:off x="395536" y="2170312"/>
-            <a:ext cx="8418144" cy="895798"/>
+            <a:ext cx="8287712" cy="895798"/>
           </a:xfrm>
           <a:prstGeom prst="roundRect">
             <a:avLst>
@@ -1322,7 +1322,7 @@
         <p:spPr>
           <a:xfrm>
             <a:off x="395536" y="1172947"/>
-            <a:ext cx="8418144" cy="895798"/>
+            <a:ext cx="8287712" cy="895798"/>
           </a:xfrm>
           <a:prstGeom prst="roundRect">
             <a:avLst>
@@ -1565,7 +1565,7 @@
         <p:spPr>
           <a:xfrm>
             <a:off x="1475656" y="1172947"/>
-            <a:ext cx="7272808" cy="369332"/>
+            <a:ext cx="7160122" cy="369332"/>
           </a:xfrm>
           <a:prstGeom prst="rect">
             <a:avLst/>
@@ -1600,7 +1600,7 @@
         <p:spPr>
           <a:xfrm>
             <a:off x="1475656" y="2170312"/>
-            <a:ext cx="7272808" cy="369332"/>
+            <a:ext cx="7160122" cy="369332"/>
           </a:xfrm>
           <a:prstGeom prst="rect">
             <a:avLst/>
@@ -1635,7 +1635,7 @@
         <p:spPr>
           <a:xfrm>
             <a:off x="1476839" y="3207796"/>
-            <a:ext cx="7272808" cy="369332"/>
+            <a:ext cx="7160122" cy="369332"/>
           </a:xfrm>
           <a:prstGeom prst="rect">
             <a:avLst/>
@@ -1670,7 +1670,7 @@
         <p:spPr>
           <a:xfrm>
             <a:off x="1475656" y="4245418"/>
-            <a:ext cx="7272808" cy="369332"/>
+            <a:ext cx="7160122" cy="369332"/>
           </a:xfrm>
           <a:prstGeom prst="rect">
             <a:avLst/>
@@ -2580,6 +2580,21 @@
 </file>
 
 <file path=customXml/item1.xml><?xml version="1.0" encoding="utf-8"?>
+<?mso-contentType ?>
+<FormTemplates xmlns="http://schemas.microsoft.com/sharepoint/v3/contenttype/forms">
+  <Display>DocumentLibraryForm</Display>
+  <Edit>DocumentLibraryForm</Edit>
+  <New>DocumentLibraryForm</New>
+</FormTemplates>
+</file>
+
+<file path=customXml/item2.xml><?xml version="1.0" encoding="utf-8"?>
+<p:properties xmlns:p="http://schemas.microsoft.com/office/2006/metadata/properties" xmlns:xsi="http://www.w3.org/2001/XMLSchema-instance" xmlns:pc="http://schemas.microsoft.com/office/infopath/2007/PartnerControls">
+  <documentManagement/>
+</p:properties>
+</file>
+
+<file path=customXml/item3.xml><?xml version="1.0" encoding="utf-8"?>
 <ct:contentTypeSchema xmlns:ct="http://schemas.microsoft.com/office/2006/metadata/contentType" xmlns:ma="http://schemas.microsoft.com/office/2006/metadata/properties/metaAttributes" ct:_="" ma:_="" ma:contentTypeName="Document" ma:contentTypeID="0x010100F88AAF00EB013448BEC0C9274921C61B" ma:contentTypeVersion="0" ma:contentTypeDescription="Create a new document." ma:contentTypeScope="" ma:versionID="5fbf7218f63954129a05f51e0ec41fe6">
   <xsd:schema xmlns:xsd="http://www.w3.org/2001/XMLSchema" xmlns:xs="http://www.w3.org/2001/XMLSchema" xmlns:p="http://schemas.microsoft.com/office/2006/metadata/properties" targetNamespace="http://schemas.microsoft.com/office/2006/metadata/properties" ma:root="true" ma:fieldsID="1b05d82d297216baf5b26c55225140df">
     <xsd:element name="properties">
@@ -2693,33 +2708,10 @@
 </ct:contentTypeSchema>
 </file>
 
-<file path=customXml/item2.xml><?xml version="1.0" encoding="utf-8"?>
-<p:properties xmlns:p="http://schemas.microsoft.com/office/2006/metadata/properties" xmlns:xsi="http://www.w3.org/2001/XMLSchema-instance" xmlns:pc="http://schemas.microsoft.com/office/infopath/2007/PartnerControls">
-  <documentManagement/>
-</p:properties>
-</file>
-
-<file path=customXml/item3.xml><?xml version="1.0" encoding="utf-8"?>
-<?mso-contentType ?>
-<FormTemplates xmlns="http://schemas.microsoft.com/sharepoint/v3/contenttype/forms">
-  <Display>DocumentLibraryForm</Display>
-  <Edit>DocumentLibraryForm</Edit>
-  <New>DocumentLibraryForm</New>
-</FormTemplates>
-</file>
-
 <file path=customXml/itemProps1.xml><?xml version="1.0" encoding="utf-8"?>
-<ds:datastoreItem xmlns:ds="http://schemas.openxmlformats.org/officeDocument/2006/customXml" ds:itemID="{7F795E7B-6C8E-428C-A8CD-0D42A5C15EC6}">
+<ds:datastoreItem xmlns:ds="http://schemas.openxmlformats.org/officeDocument/2006/customXml" ds:itemID="{8FC836DB-8CC2-4D38-88F7-105615C50204}">
   <ds:schemaRefs>
-    <ds:schemaRef ds:uri="http://schemas.microsoft.com/office/2006/metadata/contentType"/>
-    <ds:schemaRef ds:uri="http://schemas.microsoft.com/office/2006/metadata/properties/metaAttributes"/>
-    <ds:schemaRef ds:uri="http://www.w3.org/2001/XMLSchema"/>
-    <ds:schemaRef ds:uri="http://schemas.microsoft.com/office/2006/metadata/properties"/>
-    <ds:schemaRef ds:uri="http://schemas.openxmlformats.org/package/2006/metadata/core-properties"/>
-    <ds:schemaRef ds:uri="http://purl.org/dc/elements/1.1/"/>
-    <ds:schemaRef ds:uri="http://purl.org/dc/terms/"/>
-    <ds:schemaRef ds:uri="http://schemas.microsoft.com/internal/obd"/>
-    <ds:schemaRef ds:uri="http://schemas.microsoft.com/office/infopath/2007/PartnerControls"/>
+    <ds:schemaRef ds:uri="http://schemas.microsoft.com/sharepoint/v3/contenttype/forms"/>
   </ds:schemaRefs>
 </ds:datastoreItem>
 </file>
@@ -2740,9 +2732,17 @@
 </file>
 
 <file path=customXml/itemProps3.xml><?xml version="1.0" encoding="utf-8"?>
-<ds:datastoreItem xmlns:ds="http://schemas.openxmlformats.org/officeDocument/2006/customXml" ds:itemID="{8FC836DB-8CC2-4D38-88F7-105615C50204}">
+<ds:datastoreItem xmlns:ds="http://schemas.openxmlformats.org/officeDocument/2006/customXml" ds:itemID="{7F795E7B-6C8E-428C-A8CD-0D42A5C15EC6}">
   <ds:schemaRefs>
-    <ds:schemaRef ds:uri="http://schemas.microsoft.com/sharepoint/v3/contenttype/forms"/>
+    <ds:schemaRef ds:uri="http://schemas.microsoft.com/office/2006/metadata/contentType"/>
+    <ds:schemaRef ds:uri="http://schemas.microsoft.com/office/2006/metadata/properties/metaAttributes"/>
+    <ds:schemaRef ds:uri="http://www.w3.org/2001/XMLSchema"/>
+    <ds:schemaRef ds:uri="http://schemas.microsoft.com/office/2006/metadata/properties"/>
+    <ds:schemaRef ds:uri="http://schemas.openxmlformats.org/package/2006/metadata/core-properties"/>
+    <ds:schemaRef ds:uri="http://purl.org/dc/elements/1.1/"/>
+    <ds:schemaRef ds:uri="http://purl.org/dc/terms/"/>
+    <ds:schemaRef ds:uri="http://schemas.microsoft.com/internal/obd"/>
+    <ds:schemaRef ds:uri="http://schemas.microsoft.com/office/infopath/2007/PartnerControls"/>
   </ds:schemaRefs>
 </ds:datastoreItem>
 </file>
--- a/IAPTGraphic.pptx
+++ b/IAPTGraphic.pptx
@@ -1141,10 +1141,10 @@
       </p:grpSpPr>
       <p:sp>
         <p:nvSpPr>
-          <p:cNvPr id="20" name="Rectangle: Rounded Corners 19">
+          <p:cNvPr id="32" name="Rectangle: Rounded Corners 31">
             <a:extLst>
               <a:ext uri="{FF2B5EF4-FFF2-40B4-BE49-F238E27FC236}">
-                <a16:creationId xmlns:a16="http://schemas.microsoft.com/office/drawing/2014/main" id="{5FA3837A-CF64-4273-A55A-9BCA1DB71150}"/>
+                <a16:creationId xmlns:a16="http://schemas.microsoft.com/office/drawing/2014/main" id="{62D2126A-B23D-4FB6-810F-1A6B86F26F64}"/>
               </a:ext>
             </a:extLst>
           </p:cNvPr>
@@ -1153,17 +1153,17 @@
         </p:nvSpPr>
         <p:spPr>
           <a:xfrm>
-            <a:off x="388744" y="4245418"/>
-            <a:ext cx="8287712" cy="895798"/>
+            <a:off x="69853" y="932577"/>
+            <a:ext cx="6428606" cy="5740970"/>
           </a:xfrm>
           <a:prstGeom prst="roundRect">
             <a:avLst>
-              <a:gd name="adj" fmla="val 6163"/>
+              <a:gd name="adj" fmla="val 885"/>
             </a:avLst>
           </a:prstGeom>
           <a:solidFill>
             <a:schemeClr val="bg1">
-              <a:lumMod val="85000"/>
+              <a:lumMod val="95000"/>
             </a:schemeClr>
           </a:solidFill>
           <a:ln>
@@ -1197,10 +1197,10 @@
       </p:sp>
       <p:sp>
         <p:nvSpPr>
-          <p:cNvPr id="19" name="Rectangle: Rounded Corners 18">
+          <p:cNvPr id="31" name="Rectangle: Rounded Corners 30">
             <a:extLst>
               <a:ext uri="{FF2B5EF4-FFF2-40B4-BE49-F238E27FC236}">
-                <a16:creationId xmlns:a16="http://schemas.microsoft.com/office/drawing/2014/main" id="{BD6DD583-99B5-4AC4-9F29-F88180D1E5BC}"/>
+                <a16:creationId xmlns:a16="http://schemas.microsoft.com/office/drawing/2014/main" id="{42CF1623-AD16-4197-962F-3D58C8C1C4D2}"/>
               </a:ext>
             </a:extLst>
           </p:cNvPr>
@@ -1209,18 +1209,16 @@
         </p:nvSpPr>
         <p:spPr>
           <a:xfrm>
-            <a:off x="392136" y="3207796"/>
-            <a:ext cx="8287712" cy="895798"/>
+            <a:off x="6585991" y="4783793"/>
+            <a:ext cx="2448272" cy="1900713"/>
           </a:xfrm>
           <a:prstGeom prst="roundRect">
             <a:avLst>
-              <a:gd name="adj" fmla="val 6163"/>
+              <a:gd name="adj" fmla="val 4158"/>
             </a:avLst>
           </a:prstGeom>
           <a:solidFill>
-            <a:schemeClr val="bg1">
-              <a:lumMod val="85000"/>
-            </a:schemeClr>
+            <a:schemeClr val="accent2"/>
           </a:solidFill>
           <a:ln>
             <a:noFill/>
@@ -1247,16 +1245,53 @@
           <a:lstStyle/>
           <a:p>
             <a:pPr algn="ctr"/>
-            <a:endParaRPr lang="en-GB"/>
+            <a:r>
+              <a:rPr lang="en-GB" sz="1400" b="1" dirty="0">
+                <a:solidFill>
+                  <a:schemeClr val="bg1"/>
+                </a:solidFill>
+              </a:rPr>
+              <a:t>Contact details</a:t>
+            </a:r>
+          </a:p>
+          <a:p>
+            <a:pPr algn="ctr"/>
+            <a:endParaRPr lang="en-GB" sz="1400" b="1" dirty="0">
+              <a:solidFill>
+                <a:schemeClr val="bg1"/>
+              </a:solidFill>
+            </a:endParaRPr>
+          </a:p>
+          <a:p>
+            <a:pPr algn="ctr"/>
+            <a:r>
+              <a:rPr lang="en-GB" sz="1400" dirty="0">
+                <a:solidFill>
+                  <a:schemeClr val="bg1"/>
+                </a:solidFill>
+              </a:rPr>
+              <a:t>e: info@nicheconsult.co.uk</a:t>
+            </a:r>
+          </a:p>
+          <a:p>
+            <a:pPr algn="ctr"/>
+            <a:r>
+              <a:rPr lang="en-GB" sz="1400" dirty="0">
+                <a:solidFill>
+                  <a:schemeClr val="bg1"/>
+                </a:solidFill>
+              </a:rPr>
+              <a:t>t: 0161 785 1000</a:t>
+            </a:r>
           </a:p>
         </p:txBody>
       </p:sp>
       <p:sp>
         <p:nvSpPr>
-          <p:cNvPr id="18" name="Rectangle: Rounded Corners 17">
+          <p:cNvPr id="20" name="Rectangle: Rounded Corners 19">
             <a:extLst>
               <a:ext uri="{FF2B5EF4-FFF2-40B4-BE49-F238E27FC236}">
-                <a16:creationId xmlns:a16="http://schemas.microsoft.com/office/drawing/2014/main" id="{3DA4CA41-6923-48D1-930E-C3B06B9DDFE2}"/>
+                <a16:creationId xmlns:a16="http://schemas.microsoft.com/office/drawing/2014/main" id="{5FA3837A-CF64-4273-A55A-9BCA1DB71150}"/>
               </a:ext>
             </a:extLst>
           </p:cNvPr>
@@ -1265,8 +1300,8 @@
         </p:nvSpPr>
         <p:spPr>
           <a:xfrm>
-            <a:off x="395536" y="2170312"/>
-            <a:ext cx="8287712" cy="895798"/>
+            <a:off x="6582599" y="3812247"/>
+            <a:ext cx="2448272" cy="895798"/>
           </a:xfrm>
           <a:prstGeom prst="roundRect">
             <a:avLst>
@@ -1275,7 +1310,7 @@
           </a:prstGeom>
           <a:solidFill>
             <a:schemeClr val="bg1">
-              <a:lumMod val="85000"/>
+              <a:lumMod val="95000"/>
             </a:schemeClr>
           </a:solidFill>
           <a:ln>
@@ -1309,6 +1344,118 @@
       </p:sp>
       <p:sp>
         <p:nvSpPr>
+          <p:cNvPr id="19" name="Rectangle: Rounded Corners 18">
+            <a:extLst>
+              <a:ext uri="{FF2B5EF4-FFF2-40B4-BE49-F238E27FC236}">
+                <a16:creationId xmlns:a16="http://schemas.microsoft.com/office/drawing/2014/main" id="{BD6DD583-99B5-4AC4-9F29-F88180D1E5BC}"/>
+              </a:ext>
+            </a:extLst>
+          </p:cNvPr>
+          <p:cNvSpPr/>
+          <p:nvPr/>
+        </p:nvSpPr>
+        <p:spPr>
+          <a:xfrm>
+            <a:off x="6585991" y="2849453"/>
+            <a:ext cx="2448272" cy="895798"/>
+          </a:xfrm>
+          <a:prstGeom prst="roundRect">
+            <a:avLst>
+              <a:gd name="adj" fmla="val 6163"/>
+            </a:avLst>
+          </a:prstGeom>
+          <a:solidFill>
+            <a:schemeClr val="bg1">
+              <a:lumMod val="95000"/>
+            </a:schemeClr>
+          </a:solidFill>
+          <a:ln>
+            <a:noFill/>
+          </a:ln>
+        </p:spPr>
+        <p:style>
+          <a:lnRef idx="2">
+            <a:schemeClr val="accent1">
+              <a:shade val="50000"/>
+            </a:schemeClr>
+          </a:lnRef>
+          <a:fillRef idx="1">
+            <a:schemeClr val="accent1"/>
+          </a:fillRef>
+          <a:effectRef idx="0">
+            <a:schemeClr val="accent1"/>
+          </a:effectRef>
+          <a:fontRef idx="minor">
+            <a:schemeClr val="lt1"/>
+          </a:fontRef>
+        </p:style>
+        <p:txBody>
+          <a:bodyPr rtlCol="0" anchor="ctr"/>
+          <a:lstStyle/>
+          <a:p>
+            <a:pPr algn="ctr"/>
+            <a:endParaRPr lang="en-GB"/>
+          </a:p>
+        </p:txBody>
+      </p:sp>
+      <p:sp>
+        <p:nvSpPr>
+          <p:cNvPr id="18" name="Rectangle: Rounded Corners 17">
+            <a:extLst>
+              <a:ext uri="{FF2B5EF4-FFF2-40B4-BE49-F238E27FC236}">
+                <a16:creationId xmlns:a16="http://schemas.microsoft.com/office/drawing/2014/main" id="{3DA4CA41-6923-48D1-930E-C3B06B9DDFE2}"/>
+              </a:ext>
+            </a:extLst>
+          </p:cNvPr>
+          <p:cNvSpPr/>
+          <p:nvPr/>
+        </p:nvSpPr>
+        <p:spPr>
+          <a:xfrm>
+            <a:off x="6582599" y="1895371"/>
+            <a:ext cx="2448272" cy="895798"/>
+          </a:xfrm>
+          <a:prstGeom prst="roundRect">
+            <a:avLst>
+              <a:gd name="adj" fmla="val 6163"/>
+            </a:avLst>
+          </a:prstGeom>
+          <a:solidFill>
+            <a:schemeClr val="bg1">
+              <a:lumMod val="95000"/>
+            </a:schemeClr>
+          </a:solidFill>
+          <a:ln>
+            <a:noFill/>
+          </a:ln>
+        </p:spPr>
+        <p:style>
+          <a:lnRef idx="2">
+            <a:schemeClr val="accent1">
+              <a:shade val="50000"/>
+            </a:schemeClr>
+          </a:lnRef>
+          <a:fillRef idx="1">
+            <a:schemeClr val="accent1"/>
+          </a:fillRef>
+          <a:effectRef idx="0">
+            <a:schemeClr val="accent1"/>
+          </a:effectRef>
+          <a:fontRef idx="minor">
+            <a:schemeClr val="lt1"/>
+          </a:fontRef>
+        </p:style>
+        <p:txBody>
+          <a:bodyPr rtlCol="0" anchor="ctr"/>
+          <a:lstStyle/>
+          <a:p>
+            <a:pPr algn="ctr"/>
+            <a:endParaRPr lang="en-GB"/>
+          </a:p>
+        </p:txBody>
+      </p:sp>
+      <p:sp>
+        <p:nvSpPr>
           <p:cNvPr id="16" name="Rectangle: Rounded Corners 15">
             <a:extLst>
               <a:ext uri="{FF2B5EF4-FFF2-40B4-BE49-F238E27FC236}">
@@ -1321,8 +1468,8 @@
         </p:nvSpPr>
         <p:spPr>
           <a:xfrm>
-            <a:off x="395536" y="1172947"/>
-            <a:ext cx="8287712" cy="895798"/>
+            <a:off x="6582599" y="932577"/>
+            <a:ext cx="2448272" cy="895798"/>
           </a:xfrm>
           <a:prstGeom prst="roundRect">
             <a:avLst>
@@ -1331,7 +1478,7 @@
           </a:prstGeom>
           <a:solidFill>
             <a:schemeClr val="bg1">
-              <a:lumMod val="85000"/>
+              <a:lumMod val="95000"/>
             </a:schemeClr>
           </a:solidFill>
           <a:ln>
@@ -1413,7 +1560,7 @@
         </p:blipFill>
         <p:spPr>
           <a:xfrm>
-            <a:off x="592727" y="4342429"/>
+            <a:off x="6786583" y="3909258"/>
             <a:ext cx="701776" cy="701776"/>
           </a:xfrm>
           <a:prstGeom prst="rect">
@@ -1456,7 +1603,7 @@
         </p:blipFill>
         <p:spPr>
           <a:xfrm>
-            <a:off x="580726" y="2255321"/>
+            <a:off x="6767789" y="2004026"/>
             <a:ext cx="725780" cy="725780"/>
           </a:xfrm>
           <a:prstGeom prst="rect">
@@ -1499,7 +1646,7 @@
         </p:blipFill>
         <p:spPr>
           <a:xfrm>
-            <a:off x="525184" y="3237263"/>
+            <a:off x="6719040" y="2896745"/>
             <a:ext cx="836863" cy="836863"/>
           </a:xfrm>
           <a:prstGeom prst="rect">
@@ -1542,7 +1689,7 @@
         </p:blipFill>
         <p:spPr>
           <a:xfrm>
-            <a:off x="495717" y="1172946"/>
+            <a:off x="6682780" y="932576"/>
             <a:ext cx="895799" cy="895799"/>
           </a:xfrm>
           <a:prstGeom prst="rect">
@@ -1564,8 +1711,8 @@
         </p:nvSpPr>
         <p:spPr>
           <a:xfrm>
-            <a:off x="1475656" y="1172947"/>
-            <a:ext cx="7160122" cy="369332"/>
+            <a:off x="7662719" y="932577"/>
+            <a:ext cx="1656184" cy="307777"/>
           </a:xfrm>
           <a:prstGeom prst="rect">
             <a:avLst/>
@@ -1579,8 +1726,12 @@
           <a:lstStyle/>
           <a:p>
             <a:r>
-              <a:rPr lang="en-GB" dirty="0"/>
-              <a:t>Words</a:t>
+              <a:rPr lang="en-GB" sz="1400" b="1" dirty="0">
+                <a:solidFill>
+                  <a:schemeClr val="accent2"/>
+                </a:solidFill>
+              </a:rPr>
+              <a:t>Access</a:t>
             </a:r>
           </a:p>
         </p:txBody>
@@ -1599,8 +1750,8 @@
         </p:nvSpPr>
         <p:spPr>
           <a:xfrm>
-            <a:off x="1475656" y="2170312"/>
-            <a:ext cx="7160122" cy="369332"/>
+            <a:off x="7662719" y="1904607"/>
+            <a:ext cx="1001320" cy="523220"/>
           </a:xfrm>
           <a:prstGeom prst="rect">
             <a:avLst/>
@@ -1614,8 +1765,12 @@
           <a:lstStyle/>
           <a:p>
             <a:r>
-              <a:rPr lang="en-GB" dirty="0"/>
-              <a:t>Words</a:t>
+              <a:rPr lang="en-GB" sz="1400" b="1" dirty="0">
+                <a:solidFill>
+                  <a:schemeClr val="accent2"/>
+                </a:solidFill>
+              </a:rPr>
+              <a:t>Waiting targets</a:t>
             </a:r>
           </a:p>
         </p:txBody>
@@ -1634,8 +1789,8 @@
         </p:nvSpPr>
         <p:spPr>
           <a:xfrm>
-            <a:off x="1476839" y="3207796"/>
-            <a:ext cx="7160122" cy="369332"/>
+            <a:off x="7669511" y="2849453"/>
+            <a:ext cx="1360177" cy="307777"/>
           </a:xfrm>
           <a:prstGeom prst="rect">
             <a:avLst/>
@@ -1649,8 +1804,12 @@
           <a:lstStyle/>
           <a:p>
             <a:r>
-              <a:rPr lang="en-GB" dirty="0"/>
-              <a:t>Words</a:t>
+              <a:rPr lang="en-GB" sz="1400" b="1" dirty="0">
+                <a:solidFill>
+                  <a:schemeClr val="accent2"/>
+                </a:solidFill>
+              </a:rPr>
+              <a:t>Interventions</a:t>
             </a:r>
           </a:p>
         </p:txBody>
@@ -1669,8 +1828,8 @@
         </p:nvSpPr>
         <p:spPr>
           <a:xfrm>
-            <a:off x="1475656" y="4245418"/>
-            <a:ext cx="7160122" cy="369332"/>
+            <a:off x="7669511" y="3808542"/>
+            <a:ext cx="1656184" cy="307777"/>
           </a:xfrm>
           <a:prstGeom prst="rect">
             <a:avLst/>
@@ -1684,18 +1843,22 @@
           <a:lstStyle/>
           <a:p>
             <a:r>
-              <a:rPr lang="en-GB" dirty="0"/>
-              <a:t>Words</a:t>
+              <a:rPr lang="en-GB" sz="1400" b="1" dirty="0">
+                <a:solidFill>
+                  <a:schemeClr val="accent2"/>
+                </a:solidFill>
+              </a:rPr>
+              <a:t>Outcomes</a:t>
             </a:r>
           </a:p>
         </p:txBody>
       </p:sp>
       <p:sp>
         <p:nvSpPr>
-          <p:cNvPr id="25" name="TextBox 24">
+          <p:cNvPr id="17" name="TextBox 16">
             <a:extLst>
               <a:ext uri="{FF2B5EF4-FFF2-40B4-BE49-F238E27FC236}">
-                <a16:creationId xmlns:a16="http://schemas.microsoft.com/office/drawing/2014/main" id="{CD56CE28-653A-4B5F-903B-4E3747AF1511}"/>
+                <a16:creationId xmlns:a16="http://schemas.microsoft.com/office/drawing/2014/main" id="{3243BC47-4C9E-4449-8192-3E66D8BAEB59}"/>
               </a:ext>
             </a:extLst>
           </p:cNvPr>
@@ -1704,8 +1867,8 @@
         </p:nvSpPr>
         <p:spPr>
           <a:xfrm>
-            <a:off x="395536" y="5445224"/>
-            <a:ext cx="8418144" cy="369332"/>
+            <a:off x="139332" y="943537"/>
+            <a:ext cx="6336537" cy="830997"/>
           </a:xfrm>
           <a:prstGeom prst="rect">
             <a:avLst/>
@@ -1719,12 +1882,259 @@
           <a:lstStyle/>
           <a:p>
             <a:r>
-              <a:rPr lang="en-GB" dirty="0"/>
-              <a:t>Words</a:t>
+              <a:rPr lang="en-GB" sz="2400" b="1" dirty="0"/>
+              <a:t>Simulation modelling for future-ready IAPT services</a:t>
             </a:r>
           </a:p>
         </p:txBody>
       </p:sp>
+      <p:sp>
+        <p:nvSpPr>
+          <p:cNvPr id="26" name="TextBox 25">
+            <a:extLst>
+              <a:ext uri="{FF2B5EF4-FFF2-40B4-BE49-F238E27FC236}">
+                <a16:creationId xmlns:a16="http://schemas.microsoft.com/office/drawing/2014/main" id="{F53DC069-1A40-4CCC-AFFD-57B42C5B0304}"/>
+              </a:ext>
+            </a:extLst>
+          </p:cNvPr>
+          <p:cNvSpPr txBox="1"/>
+          <p:nvPr/>
+        </p:nvSpPr>
+        <p:spPr>
+          <a:xfrm>
+            <a:off x="139332" y="1686879"/>
+            <a:ext cx="7416824" cy="369332"/>
+          </a:xfrm>
+          <a:prstGeom prst="rect">
+            <a:avLst/>
+          </a:prstGeom>
+          <a:noFill/>
+        </p:spPr>
+        <p:txBody>
+          <a:bodyPr wrap="square" rtlCol="0">
+            <a:spAutoFit/>
+          </a:bodyPr>
+          <a:lstStyle/>
+          <a:p>
+            <a:r>
+              <a:rPr lang="en-GB" dirty="0"/>
+              <a:t>Simulation modelling led IAPT </a:t>
+            </a:r>
+          </a:p>
+        </p:txBody>
+      </p:sp>
+      <p:sp>
+        <p:nvSpPr>
+          <p:cNvPr id="28" name="TextBox 27">
+            <a:extLst>
+              <a:ext uri="{FF2B5EF4-FFF2-40B4-BE49-F238E27FC236}">
+                <a16:creationId xmlns:a16="http://schemas.microsoft.com/office/drawing/2014/main" id="{5D5F69E7-9338-4EF0-9C7D-FFFA5A4FB0AE}"/>
+              </a:ext>
+            </a:extLst>
+          </p:cNvPr>
+          <p:cNvSpPr txBox="1"/>
+          <p:nvPr/>
+        </p:nvSpPr>
+        <p:spPr>
+          <a:xfrm>
+            <a:off x="139332" y="2035493"/>
+            <a:ext cx="6134959" cy="5447645"/>
+          </a:xfrm>
+          <a:prstGeom prst="rect">
+            <a:avLst/>
+          </a:prstGeom>
+          <a:noFill/>
+        </p:spPr>
+        <p:txBody>
+          <a:bodyPr wrap="square" rtlCol="0">
+            <a:spAutoFit/>
+          </a:bodyPr>
+          <a:lstStyle/>
+          <a:p>
+            <a:r>
+              <a:rPr lang="en-GB" sz="1200" dirty="0"/>
+              <a:t>Niche’s discrete event simulation modelling approach to understanding, predicting and reconfiguring IAPT services is helping providers and commissioners understand what is involved with bridging the gap from 19% to 25% access while still meeting waiting and recovery targets.</a:t>
+            </a:r>
+          </a:p>
+          <a:p>
+            <a:endParaRPr lang="en-GB" sz="1200" dirty="0"/>
+          </a:p>
+          <a:p>
+            <a:r>
+              <a:rPr lang="en-GB" sz="1200" dirty="0"/>
+              <a:t>We can help you to fully understand current activity, answering questions such as;</a:t>
+            </a:r>
+          </a:p>
+          <a:p>
+            <a:endParaRPr lang="en-GB" sz="1200" dirty="0"/>
+          </a:p>
+          <a:p>
+            <a:pPr marL="171450" indent="-171450">
+              <a:buFont typeface="Arial" panose="020B0604020202020204" pitchFamily="34" charset="0"/>
+              <a:buChar char="•"/>
+            </a:pPr>
+            <a:r>
+              <a:rPr lang="en-GB" sz="1200" i="1" dirty="0"/>
+              <a:t>How different treatment modalities perform relative to their cost?</a:t>
+            </a:r>
+          </a:p>
+          <a:p>
+            <a:pPr marL="171450" indent="-171450">
+              <a:buFont typeface="Arial" panose="020B0604020202020204" pitchFamily="34" charset="0"/>
+              <a:buChar char="•"/>
+            </a:pPr>
+            <a:r>
+              <a:rPr lang="en-GB" sz="1200" i="1" dirty="0"/>
+              <a:t>At what level of clinical input do recovery rates plateau?</a:t>
+            </a:r>
+          </a:p>
+          <a:p>
+            <a:pPr marL="171450" indent="-171450">
+              <a:buFont typeface="Arial" panose="020B0604020202020204" pitchFamily="34" charset="0"/>
+              <a:buChar char="•"/>
+            </a:pPr>
+            <a:r>
+              <a:rPr lang="en-GB" sz="1200" i="1" dirty="0"/>
+              <a:t>Which demographics from your local area are under or overrepresented in your referrals?</a:t>
+            </a:r>
+          </a:p>
+          <a:p>
+            <a:pPr marL="171450" indent="-171450">
+              <a:buFont typeface="Arial" panose="020B0604020202020204" pitchFamily="34" charset="0"/>
+              <a:buChar char="•"/>
+            </a:pPr>
+            <a:r>
+              <a:rPr lang="en-GB" sz="1200" i="1" dirty="0"/>
+              <a:t>How do waiting times and contact intervals impact likelihood of recovery?</a:t>
+            </a:r>
+          </a:p>
+          <a:p>
+            <a:pPr marL="171450" indent="-171450">
+              <a:buFont typeface="Arial" panose="020B0604020202020204" pitchFamily="34" charset="0"/>
+              <a:buChar char="•"/>
+            </a:pPr>
+            <a:endParaRPr lang="en-GB" sz="1200" dirty="0"/>
+          </a:p>
+          <a:p>
+            <a:r>
+              <a:rPr lang="en-GB" sz="1200" dirty="0"/>
+              <a:t>With this understanding, our simulation modelling tool can then demonstrate the outcomes of various change scenarios. Our model compares scenarios across the full range of metrics relevant to IAPT services including;</a:t>
+            </a:r>
+          </a:p>
+          <a:p>
+            <a:pPr marL="171450" indent="-171450">
+              <a:buFont typeface="Arial" panose="020B0604020202020204" pitchFamily="34" charset="0"/>
+              <a:buChar char="•"/>
+            </a:pPr>
+            <a:endParaRPr lang="en-GB" sz="1200" dirty="0"/>
+          </a:p>
+          <a:p>
+            <a:pPr marL="171450" indent="-171450">
+              <a:buFont typeface="Arial" panose="020B0604020202020204" pitchFamily="34" charset="0"/>
+              <a:buChar char="•"/>
+            </a:pPr>
+            <a:r>
+              <a:rPr lang="en-GB" sz="1200" i="1" dirty="0"/>
+              <a:t>Waiting times</a:t>
+            </a:r>
+          </a:p>
+          <a:p>
+            <a:pPr marL="171450" indent="-171450">
+              <a:buFont typeface="Arial" panose="020B0604020202020204" pitchFamily="34" charset="0"/>
+              <a:buChar char="•"/>
+            </a:pPr>
+            <a:r>
+              <a:rPr lang="en-GB" sz="1200" i="1" dirty="0"/>
+              <a:t>Access rates</a:t>
+            </a:r>
+          </a:p>
+          <a:p>
+            <a:pPr marL="171450" indent="-171450">
+              <a:buFont typeface="Arial" panose="020B0604020202020204" pitchFamily="34" charset="0"/>
+              <a:buChar char="•"/>
+            </a:pPr>
+            <a:r>
+              <a:rPr lang="en-GB" sz="1200" i="1" dirty="0"/>
+              <a:t>Recovery rates</a:t>
+            </a:r>
+          </a:p>
+          <a:p>
+            <a:pPr marL="171450" indent="-171450">
+              <a:buFont typeface="Arial" panose="020B0604020202020204" pitchFamily="34" charset="0"/>
+              <a:buChar char="•"/>
+            </a:pPr>
+            <a:r>
+              <a:rPr lang="en-GB" sz="1200" i="1" dirty="0"/>
+              <a:t>Resource/Staffing implications</a:t>
+            </a:r>
+          </a:p>
+          <a:p>
+            <a:endParaRPr lang="en-GB" sz="1200" dirty="0"/>
+          </a:p>
+          <a:p>
+            <a:r>
+              <a:rPr lang="en-GB" sz="1200" dirty="0"/>
+              <a:t>To read more about our simulation modelling approach please </a:t>
+            </a:r>
+            <a:r>
+              <a:rPr lang="en-GB" sz="1200" u="sng" dirty="0">
+                <a:solidFill>
+                  <a:srgbClr val="0070C0"/>
+                </a:solidFill>
+              </a:rPr>
+              <a:t>click here.</a:t>
+            </a:r>
+          </a:p>
+          <a:p>
+            <a:endParaRPr lang="en-GB" sz="1200" dirty="0"/>
+          </a:p>
+          <a:p>
+            <a:endParaRPr lang="en-GB" sz="1200" dirty="0"/>
+          </a:p>
+          <a:p>
+            <a:br>
+              <a:rPr lang="en-GB" sz="1200" dirty="0"/>
+            </a:br>
+            <a:endParaRPr lang="en-GB" sz="1200" dirty="0"/>
+          </a:p>
+          <a:p>
+            <a:endParaRPr lang="en-GB" sz="1200" dirty="0"/>
+          </a:p>
+          <a:p>
+            <a:endParaRPr lang="en-GB" sz="1200" dirty="0"/>
+          </a:p>
+        </p:txBody>
+      </p:sp>
+      <p:pic>
+        <p:nvPicPr>
+          <p:cNvPr id="30" name="Picture 29">
+            <a:extLst>
+              <a:ext uri="{FF2B5EF4-FFF2-40B4-BE49-F238E27FC236}">
+                <a16:creationId xmlns:a16="http://schemas.microsoft.com/office/drawing/2014/main" id="{EE5363E0-F7A2-4807-BB9D-4E8457AF81AB}"/>
+              </a:ext>
+            </a:extLst>
+          </p:cNvPr>
+          <p:cNvPicPr>
+            <a:picLocks noChangeAspect="1"/>
+          </p:cNvPicPr>
+          <p:nvPr/>
+        </p:nvPicPr>
+        <p:blipFill>
+          <a:blip r:embed="rId7"/>
+          <a:stretch>
+            <a:fillRect/>
+          </a:stretch>
+        </p:blipFill>
+        <p:spPr>
+          <a:xfrm>
+            <a:off x="-3257" y="40538"/>
+            <a:ext cx="9029687" cy="762676"/>
+          </a:xfrm>
+          <a:prstGeom prst="rect">
+            <a:avLst/>
+          </a:prstGeom>
+        </p:spPr>
+      </p:pic>
     </p:spTree>
     <p:extLst>
       <p:ext uri="{BB962C8B-B14F-4D97-AF65-F5344CB8AC3E}">
@@ -2580,21 +2990,6 @@
 </file>
 
 <file path=customXml/item1.xml><?xml version="1.0" encoding="utf-8"?>
-<?mso-contentType ?>
-<FormTemplates xmlns="http://schemas.microsoft.com/sharepoint/v3/contenttype/forms">
-  <Display>DocumentLibraryForm</Display>
-  <Edit>DocumentLibraryForm</Edit>
-  <New>DocumentLibraryForm</New>
-</FormTemplates>
-</file>
-
-<file path=customXml/item2.xml><?xml version="1.0" encoding="utf-8"?>
-<p:properties xmlns:p="http://schemas.microsoft.com/office/2006/metadata/properties" xmlns:xsi="http://www.w3.org/2001/XMLSchema-instance" xmlns:pc="http://schemas.microsoft.com/office/infopath/2007/PartnerControls">
-  <documentManagement/>
-</p:properties>
-</file>
-
-<file path=customXml/item3.xml><?xml version="1.0" encoding="utf-8"?>
 <ct:contentTypeSchema xmlns:ct="http://schemas.microsoft.com/office/2006/metadata/contentType" xmlns:ma="http://schemas.microsoft.com/office/2006/metadata/properties/metaAttributes" ct:_="" ma:_="" ma:contentTypeName="Document" ma:contentTypeID="0x010100F88AAF00EB013448BEC0C9274921C61B" ma:contentTypeVersion="0" ma:contentTypeDescription="Create a new document." ma:contentTypeScope="" ma:versionID="5fbf7218f63954129a05f51e0ec41fe6">
   <xsd:schema xmlns:xsd="http://www.w3.org/2001/XMLSchema" xmlns:xs="http://www.w3.org/2001/XMLSchema" xmlns:p="http://schemas.microsoft.com/office/2006/metadata/properties" targetNamespace="http://schemas.microsoft.com/office/2006/metadata/properties" ma:root="true" ma:fieldsID="1b05d82d297216baf5b26c55225140df">
     <xsd:element name="properties">
@@ -2708,30 +3103,22 @@
 </ct:contentTypeSchema>
 </file>
 
-<file path=customXml/itemProps1.xml><?xml version="1.0" encoding="utf-8"?>
-<ds:datastoreItem xmlns:ds="http://schemas.openxmlformats.org/officeDocument/2006/customXml" ds:itemID="{8FC836DB-8CC2-4D38-88F7-105615C50204}">
-  <ds:schemaRefs>
-    <ds:schemaRef ds:uri="http://schemas.microsoft.com/sharepoint/v3/contenttype/forms"/>
-  </ds:schemaRefs>
-</ds:datastoreItem>
+<file path=customXml/item2.xml><?xml version="1.0" encoding="utf-8"?>
+<p:properties xmlns:p="http://schemas.microsoft.com/office/2006/metadata/properties" xmlns:xsi="http://www.w3.org/2001/XMLSchema-instance" xmlns:pc="http://schemas.microsoft.com/office/infopath/2007/PartnerControls">
+  <documentManagement/>
+</p:properties>
 </file>
 
-<file path=customXml/itemProps2.xml><?xml version="1.0" encoding="utf-8"?>
-<ds:datastoreItem xmlns:ds="http://schemas.openxmlformats.org/officeDocument/2006/customXml" ds:itemID="{7C44E631-6E28-4A91-9447-C4B972BFEEA3}">
-  <ds:schemaRefs>
-    <ds:schemaRef ds:uri="http://purl.org/dc/dcmitype/"/>
-    <ds:schemaRef ds:uri="http://schemas.microsoft.com/office/infopath/2007/PartnerControls"/>
-    <ds:schemaRef ds:uri="http://purl.org/dc/elements/1.1/"/>
-    <ds:schemaRef ds:uri="http://schemas.microsoft.com/office/2006/metadata/properties"/>
-    <ds:schemaRef ds:uri="http://purl.org/dc/terms/"/>
-    <ds:schemaRef ds:uri="http://schemas.openxmlformats.org/package/2006/metadata/core-properties"/>
-    <ds:schemaRef ds:uri="http://schemas.microsoft.com/office/2006/documentManagement/types"/>
-    <ds:schemaRef ds:uri="http://www.w3.org/XML/1998/namespace"/>
-  </ds:schemaRefs>
-</ds:datastoreItem>
+<file path=customXml/item3.xml><?xml version="1.0" encoding="utf-8"?>
+<?mso-contentType ?>
+<FormTemplates xmlns="http://schemas.microsoft.com/sharepoint/v3/contenttype/forms">
+  <Display>DocumentLibraryForm</Display>
+  <Edit>DocumentLibraryForm</Edit>
+  <New>DocumentLibraryForm</New>
+</FormTemplates>
 </file>
 
-<file path=customXml/itemProps3.xml><?xml version="1.0" encoding="utf-8"?>
+<file path=customXml/itemProps1.xml><?xml version="1.0" encoding="utf-8"?>
 <ds:datastoreItem xmlns:ds="http://schemas.openxmlformats.org/officeDocument/2006/customXml" ds:itemID="{7F795E7B-6C8E-428C-A8CD-0D42A5C15EC6}">
   <ds:schemaRefs>
     <ds:schemaRef ds:uri="http://schemas.microsoft.com/office/2006/metadata/contentType"/>
@@ -2745,4 +3132,27 @@
     <ds:schemaRef ds:uri="http://schemas.microsoft.com/office/infopath/2007/PartnerControls"/>
   </ds:schemaRefs>
 </ds:datastoreItem>
+</file>
+
+<file path=customXml/itemProps2.xml><?xml version="1.0" encoding="utf-8"?>
+<ds:datastoreItem xmlns:ds="http://schemas.openxmlformats.org/officeDocument/2006/customXml" ds:itemID="{7C44E631-6E28-4A91-9447-C4B972BFEEA3}">
+  <ds:schemaRefs>
+    <ds:schemaRef ds:uri="http://schemas.microsoft.com/office/2006/documentManagement/types"/>
+    <ds:schemaRef ds:uri="http://schemas.microsoft.com/office/infopath/2007/PartnerControls"/>
+    <ds:schemaRef ds:uri="http://purl.org/dc/elements/1.1/"/>
+    <ds:schemaRef ds:uri="http://schemas.microsoft.com/office/2006/metadata/properties"/>
+    <ds:schemaRef ds:uri="http://purl.org/dc/terms/"/>
+    <ds:schemaRef ds:uri="http://schemas.openxmlformats.org/package/2006/metadata/core-properties"/>
+    <ds:schemaRef ds:uri="http://www.w3.org/XML/1998/namespace"/>
+    <ds:schemaRef ds:uri="http://purl.org/dc/dcmitype/"/>
+  </ds:schemaRefs>
+</ds:datastoreItem>
+</file>
+
+<file path=customXml/itemProps3.xml><?xml version="1.0" encoding="utf-8"?>
+<ds:datastoreItem xmlns:ds="http://schemas.openxmlformats.org/officeDocument/2006/customXml" ds:itemID="{8FC836DB-8CC2-4D38-88F7-105615C50204}">
+  <ds:schemaRefs>
+    <ds:schemaRef ds:uri="http://schemas.microsoft.com/sharepoint/v3/contenttype/forms"/>
+  </ds:schemaRefs>
+</ds:datastoreItem>
 </file>